--- a/Docs/EIP 10.05.10.pptx
+++ b/Docs/EIP 10.05.10.pptx
@@ -146,7 +146,8 @@
           <a:p>
             <a:fld id="{DFEAF9CB-F216-48BE-9303-4850780D294E}" type="datetimeFigureOut">
               <a:rPr lang="fr-FR" smtClean="0"/>
-              <a:t>10/05/2010</a:t>
+              <a:pPr/>
+              <a:t>19/07/2010</a:t>
             </a:fld>
             <a:endParaRPr lang="fr-FR"/>
           </a:p>
@@ -192,6 +193,7 @@
           <a:p>
             <a:fld id="{1DD2379F-BD84-4B13-B984-583F8073C613}" type="slidenum">
               <a:rPr lang="fr-FR" smtClean="0"/>
+              <a:pPr/>
               <a:t>‹N°›</a:t>
             </a:fld>
             <a:endParaRPr lang="fr-FR"/>
@@ -863,7 +865,8 @@
           <a:p>
             <a:fld id="{DFEAF9CB-F216-48BE-9303-4850780D294E}" type="datetimeFigureOut">
               <a:rPr lang="fr-FR" smtClean="0"/>
-              <a:t>10/05/2010</a:t>
+              <a:pPr/>
+              <a:t>19/07/2010</a:t>
             </a:fld>
             <a:endParaRPr lang="fr-FR"/>
           </a:p>
@@ -909,6 +912,7 @@
           <a:p>
             <a:fld id="{1DD2379F-BD84-4B13-B984-583F8073C613}" type="slidenum">
               <a:rPr lang="fr-FR" smtClean="0"/>
+              <a:pPr/>
               <a:t>‹N°›</a:t>
             </a:fld>
             <a:endParaRPr lang="fr-FR"/>
@@ -1048,7 +1052,8 @@
           <a:p>
             <a:fld id="{DFEAF9CB-F216-48BE-9303-4850780D294E}" type="datetimeFigureOut">
               <a:rPr lang="fr-FR" smtClean="0"/>
-              <a:t>10/05/2010</a:t>
+              <a:pPr/>
+              <a:t>19/07/2010</a:t>
             </a:fld>
             <a:endParaRPr lang="fr-FR"/>
           </a:p>
@@ -1094,6 +1099,7 @@
           <a:p>
             <a:fld id="{1DD2379F-BD84-4B13-B984-583F8073C613}" type="slidenum">
               <a:rPr lang="fr-FR" smtClean="0"/>
+              <a:pPr/>
               <a:t>‹N°›</a:t>
             </a:fld>
             <a:endParaRPr lang="fr-FR"/>
@@ -1223,7 +1229,8 @@
           <a:p>
             <a:fld id="{DFEAF9CB-F216-48BE-9303-4850780D294E}" type="datetimeFigureOut">
               <a:rPr lang="fr-FR" smtClean="0"/>
-              <a:t>10/05/2010</a:t>
+              <a:pPr/>
+              <a:t>19/07/2010</a:t>
             </a:fld>
             <a:endParaRPr lang="fr-FR"/>
           </a:p>
@@ -1269,6 +1276,7 @@
           <a:p>
             <a:fld id="{1DD2379F-BD84-4B13-B984-583F8073C613}" type="slidenum">
               <a:rPr lang="fr-FR" smtClean="0"/>
+              <a:pPr/>
               <a:t>‹N°›</a:t>
             </a:fld>
             <a:endParaRPr lang="fr-FR"/>
@@ -2706,7 +2714,8 @@
           <a:p>
             <a:fld id="{DFEAF9CB-F216-48BE-9303-4850780D294E}" type="datetimeFigureOut">
               <a:rPr lang="fr-FR" smtClean="0"/>
-              <a:t>10/05/2010</a:t>
+              <a:pPr/>
+              <a:t>19/07/2010</a:t>
             </a:fld>
             <a:endParaRPr lang="fr-FR"/>
           </a:p>
@@ -2752,6 +2761,7 @@
           <a:p>
             <a:fld id="{1DD2379F-BD84-4B13-B984-583F8073C613}" type="slidenum">
               <a:rPr lang="fr-FR" smtClean="0"/>
+              <a:pPr/>
               <a:t>‹N°›</a:t>
             </a:fld>
             <a:endParaRPr lang="fr-FR"/>
@@ -3306,7 +3316,8 @@
           <a:p>
             <a:fld id="{DFEAF9CB-F216-48BE-9303-4850780D294E}" type="datetimeFigureOut">
               <a:rPr lang="fr-FR" smtClean="0"/>
-              <a:t>10/05/2010</a:t>
+              <a:pPr/>
+              <a:t>19/07/2010</a:t>
             </a:fld>
             <a:endParaRPr lang="fr-FR"/>
           </a:p>
@@ -3352,6 +3363,7 @@
           <a:p>
             <a:fld id="{1DD2379F-BD84-4B13-B984-583F8073C613}" type="slidenum">
               <a:rPr lang="fr-FR" smtClean="0"/>
+              <a:pPr/>
               <a:t>‹N°›</a:t>
             </a:fld>
             <a:endParaRPr lang="fr-FR"/>
@@ -3743,7 +3755,8 @@
           <a:p>
             <a:fld id="{DFEAF9CB-F216-48BE-9303-4850780D294E}" type="datetimeFigureOut">
               <a:rPr lang="fr-FR" smtClean="0"/>
-              <a:t>10/05/2010</a:t>
+              <a:pPr/>
+              <a:t>19/07/2010</a:t>
             </a:fld>
             <a:endParaRPr lang="fr-FR"/>
           </a:p>
@@ -3789,6 +3802,7 @@
           <a:p>
             <a:fld id="{1DD2379F-BD84-4B13-B984-583F8073C613}" type="slidenum">
               <a:rPr lang="fr-FR" smtClean="0"/>
+              <a:pPr/>
               <a:t>‹N°›</a:t>
             </a:fld>
             <a:endParaRPr lang="fr-FR"/>
@@ -4304,7 +4318,8 @@
           <a:p>
             <a:fld id="{DFEAF9CB-F216-48BE-9303-4850780D294E}" type="datetimeFigureOut">
               <a:rPr lang="fr-FR" smtClean="0"/>
-              <a:t>10/05/2010</a:t>
+              <a:pPr/>
+              <a:t>19/07/2010</a:t>
             </a:fld>
             <a:endParaRPr lang="fr-FR"/>
           </a:p>
@@ -4350,6 +4365,7 @@
           <a:p>
             <a:fld id="{1DD2379F-BD84-4B13-B984-583F8073C613}" type="slidenum">
               <a:rPr lang="fr-FR" smtClean="0"/>
+              <a:pPr/>
               <a:t>‹N°›</a:t>
             </a:fld>
             <a:endParaRPr lang="fr-FR"/>
@@ -4400,7 +4416,8 @@
           <a:p>
             <a:fld id="{DFEAF9CB-F216-48BE-9303-4850780D294E}" type="datetimeFigureOut">
               <a:rPr lang="fr-FR" smtClean="0"/>
-              <a:t>10/05/2010</a:t>
+              <a:pPr/>
+              <a:t>19/07/2010</a:t>
             </a:fld>
             <a:endParaRPr lang="fr-FR"/>
           </a:p>
@@ -4446,6 +4463,7 @@
           <a:p>
             <a:fld id="{1DD2379F-BD84-4B13-B984-583F8073C613}" type="slidenum">
               <a:rPr lang="fr-FR" smtClean="0"/>
+              <a:pPr/>
               <a:t>‹N°›</a:t>
             </a:fld>
             <a:endParaRPr lang="fr-FR"/>
@@ -4654,7 +4672,8 @@
           <a:p>
             <a:fld id="{DFEAF9CB-F216-48BE-9303-4850780D294E}" type="datetimeFigureOut">
               <a:rPr lang="fr-FR" smtClean="0"/>
-              <a:t>10/05/2010</a:t>
+              <a:pPr/>
+              <a:t>19/07/2010</a:t>
             </a:fld>
             <a:endParaRPr lang="fr-FR"/>
           </a:p>
@@ -4700,6 +4719,7 @@
           <a:p>
             <a:fld id="{1DD2379F-BD84-4B13-B984-583F8073C613}" type="slidenum">
               <a:rPr lang="fr-FR" smtClean="0"/>
+              <a:pPr/>
               <a:t>‹N°›</a:t>
             </a:fld>
             <a:endParaRPr lang="fr-FR"/>
@@ -5375,7 +5395,8 @@
           <a:p>
             <a:fld id="{DFEAF9CB-F216-48BE-9303-4850780D294E}" type="datetimeFigureOut">
               <a:rPr lang="fr-FR" smtClean="0"/>
-              <a:t>10/05/2010</a:t>
+              <a:pPr/>
+              <a:t>19/07/2010</a:t>
             </a:fld>
             <a:endParaRPr lang="fr-FR"/>
           </a:p>
@@ -5431,6 +5452,7 @@
           <a:p>
             <a:fld id="{1DD2379F-BD84-4B13-B984-583F8073C613}" type="slidenum">
               <a:rPr lang="fr-FR" smtClean="0"/>
+              <a:pPr/>
               <a:t>‹N°›</a:t>
             </a:fld>
             <a:endParaRPr lang="fr-FR"/>
@@ -6048,7 +6070,8 @@
           <a:p>
             <a:fld id="{DFEAF9CB-F216-48BE-9303-4850780D294E}" type="datetimeFigureOut">
               <a:rPr lang="fr-FR" smtClean="0"/>
-              <a:t>10/05/2010</a:t>
+              <a:pPr/>
+              <a:t>19/07/2010</a:t>
             </a:fld>
             <a:endParaRPr lang="fr-FR"/>
           </a:p>
@@ -6124,6 +6147,7 @@
           <a:p>
             <a:fld id="{1DD2379F-BD84-4B13-B984-583F8073C613}" type="slidenum">
               <a:rPr lang="fr-FR" smtClean="0"/>
+              <a:pPr/>
               <a:t>‹N°›</a:t>
             </a:fld>
             <a:endParaRPr lang="fr-FR"/>
@@ -6469,10 +6493,10 @@
           <a:p>
             <a:pPr algn="ctr"/>
             <a:r>
-              <a:rPr lang="fr-FR" dirty="0" smtClean="0"/>
+              <a:rPr lang="fr-FR" sz="5400" dirty="0" smtClean="0"/>
               <a:t>EIP</a:t>
             </a:r>
-            <a:endParaRPr lang="fr-FR" dirty="0"/>
+            <a:endParaRPr lang="fr-FR" sz="5400" dirty="0"/>
           </a:p>
         </p:txBody>
       </p:sp>
@@ -6501,8 +6525,17 @@
             <a:pPr algn="r"/>
             <a:r>
               <a:rPr lang="fr-FR" dirty="0" smtClean="0"/>
-              <a:t>Réunion du 10/05/10</a:t>
-            </a:r>
+              <a:t>Réunion </a:t>
+            </a:r>
+            <a:r>
+              <a:rPr lang="fr-FR" smtClean="0"/>
+              <a:t>du </a:t>
+            </a:r>
+            <a:r>
+              <a:rPr lang="fr-FR" smtClean="0"/>
+              <a:t>19/07/10</a:t>
+            </a:r>
+            <a:endParaRPr lang="fr-FR" dirty="0" smtClean="0"/>
           </a:p>
           <a:p>
             <a:endParaRPr lang="fr-FR" dirty="0" smtClean="0"/>
@@ -6583,7 +6616,7 @@
         <p:spPr>
           <a:xfrm>
             <a:off x="357158" y="2285992"/>
-            <a:ext cx="8786842" cy="369332"/>
+            <a:ext cx="8786842" cy="584775"/>
           </a:xfrm>
           <a:prstGeom prst="rect">
             <a:avLst/>
@@ -6598,14 +6631,14 @@
           <a:p>
             <a:pPr algn="ctr"/>
             <a:r>
-              <a:rPr lang="fr-FR" b="1" dirty="0" err="1" smtClean="0">
+              <a:rPr lang="fr-FR" sz="3200" b="1" dirty="0" err="1" smtClean="0">
                 <a:solidFill>
                   <a:schemeClr val="tx2"/>
                 </a:solidFill>
               </a:rPr>
               <a:t>myNetWork</a:t>
             </a:r>
-            <a:endParaRPr lang="fr-FR" b="1" dirty="0">
+            <a:endParaRPr lang="fr-FR" sz="3200" b="1" dirty="0">
               <a:solidFill>
                 <a:schemeClr val="tx2"/>
               </a:solidFill>
@@ -6699,11 +6732,7 @@
           <a:p>
             <a:r>
               <a:rPr lang="fr-FR" dirty="0" smtClean="0"/>
-              <a:t>Mise en place</a:t>
-            </a:r>
-            <a:r>
-              <a:rPr lang="fr-FR" dirty="0" smtClean="0"/>
-              <a:t> de la base de données</a:t>
+              <a:t>Mise en place de la base de données</a:t>
             </a:r>
           </a:p>
           <a:p>
